--- a/MCA算法突击课/第03期/ppt/powerpoint/第03节.pptx
+++ b/MCA算法突击课/第03期/ppt/powerpoint/第03节.pptx
@@ -15,9 +15,6 @@
     <p:sldId id="260" r:id="rId12"/>
     <p:sldId id="261" r:id="rId13"/>
     <p:sldId id="262" r:id="rId14"/>
-    <p:sldId id="263" r:id="rId15"/>
-    <p:sldId id="264" r:id="rId16"/>
-    <p:sldId id="265" r:id="rId17"/>
   </p:sldIdLst>
   <p:sldSz cx="12192000" cy="6858000"/>
   <p:notesSz cx="6858000" cy="9144000"/>
@@ -2813,390 +2810,6 @@
 </p:sld>
 </file>
 
-<file path=ppt/slides/slide10.xml><?xml version="1.0" encoding="utf-8"?>
-<p:sld xmlns:a="http://schemas.openxmlformats.org/drawingml/2006/main" xmlns:r="http://schemas.openxmlformats.org/officeDocument/2006/relationships" xmlns:p="http://schemas.openxmlformats.org/presentationml/2006/main" xmlns:m="http://schemas.openxmlformats.org/officeDocument/2006/math" xmlns:a14="http://schemas.microsoft.com/office/drawing/2010/main" showMasterSp="1" showMasterPhAnim="1">
-  <p:cSld>
-    <p:spTree>
-      <p:nvGrpSpPr>
-        <p:cNvPr id="1" name=""/>
-        <p:cNvGrpSpPr/>
-        <p:nvPr/>
-      </p:nvGrpSpPr>
-      <p:grpSpPr>
-        <a:xfrm>
-          <a:off x="0" y="0"/>
-          <a:ext cx="0" cy="0"/>
-          <a:chOff x="0" y="0"/>
-          <a:chExt cx="0" cy="0"/>
-        </a:xfrm>
-      </p:grpSpPr>
-      <p:sp>
-        <p:nvSpPr>
-          <p:cNvPr id="139" name="页脚占位符 3"/>
-          <p:cNvSpPr txBox="1"/>
-          <p:nvPr/>
-        </p:nvSpPr>
-        <p:spPr>
-          <a:xfrm>
-            <a:off x="4084320" y="6385242"/>
-            <a:ext cx="4023360" cy="307341"/>
-          </a:xfrm>
-          <a:prstGeom prst="rect">
-            <a:avLst/>
-          </a:prstGeom>
-          <a:ln w="12700">
-            <a:miter lim="400000"/>
-          </a:ln>
-          <a:extLst>
-            <a:ext uri="{C572A759-6A51-4108-AA02-DFA0A04FC94B}">
-              <ma14:wrappingTextBoxFlag xmlns:ma14="http://schemas.microsoft.com/office/mac/drawingml/2011/main" val="1"/>
-            </a:ext>
-          </a:extLst>
-        </p:spPr>
-        <p:txBody>
-          <a:bodyPr lIns="45719" rIns="45719" anchor="ctr">
-            <a:spAutoFit/>
-          </a:bodyPr>
-          <a:lstStyle/>
-          <a:p>
-            <a:pPr algn="ctr">
-              <a:defRPr sz="1200">
-                <a:solidFill>
-                  <a:srgbClr val="888888"/>
-                </a:solidFill>
-              </a:defRPr>
-            </a:pPr>
-            <a:r>
-              <a:t>马士兵教育 </a:t>
-            </a:r>
-            <a:r>
-              <a:t>http://mashibing.com</a:t>
-            </a:r>
-          </a:p>
-        </p:txBody>
-      </p:sp>
-      <p:sp>
-        <p:nvSpPr>
-          <p:cNvPr id="140" name="标题 1"/>
-          <p:cNvSpPr txBox="1"/>
-          <p:nvPr>
-            <p:ph type="title"/>
-          </p:nvPr>
-        </p:nvSpPr>
-        <p:spPr>
-          <a:xfrm>
-            <a:off x="838200" y="900238"/>
-            <a:ext cx="10515600" cy="710952"/>
-          </a:xfrm>
-          <a:prstGeom prst="rect">
-            <a:avLst/>
-          </a:prstGeom>
-        </p:spPr>
-        <p:txBody>
-          <a:bodyPr/>
-          <a:lstStyle>
-            <a:lvl1pPr>
-              <a:defRPr sz="3200"/>
-            </a:lvl1pPr>
-          </a:lstStyle>
-          <a:p>
-            <a:pPr/>
-            <a:r>
-              <a:t>题目09</a:t>
-            </a:r>
-          </a:p>
-        </p:txBody>
-      </p:sp>
-      <p:sp>
-        <p:nvSpPr>
-          <p:cNvPr id="141" name="内容占位符 2"/>
-          <p:cNvSpPr txBox="1"/>
-          <p:nvPr>
-            <p:ph type="body" idx="1"/>
-          </p:nvPr>
-        </p:nvSpPr>
-        <p:spPr>
-          <a:xfrm>
-            <a:off x="838200" y="2038410"/>
-            <a:ext cx="10515600" cy="3919611"/>
-          </a:xfrm>
-          <a:prstGeom prst="rect">
-            <a:avLst/>
-          </a:prstGeom>
-        </p:spPr>
-        <p:txBody>
-          <a:bodyPr/>
-          <a:lstStyle/>
-          <a:p>
-            <a:pPr marL="0" indent="0" defTabSz="420623">
-              <a:lnSpc>
-                <a:spcPct val="100000"/>
-              </a:lnSpc>
-              <a:spcBef>
-                <a:spcPts val="0"/>
-              </a:spcBef>
-              <a:buSzTx/>
-              <a:buFontTx/>
-              <a:buNone/>
-              <a:defRPr sz="2392">
-                <a:solidFill>
-                  <a:srgbClr val="4E9072"/>
-                </a:solidFill>
-                <a:latin typeface="Monaco"/>
-                <a:ea typeface="Monaco"/>
-                <a:cs typeface="Monaco"/>
-                <a:sym typeface="Monaco"/>
-              </a:defRPr>
-            </a:pPr>
-            <a:r>
-              <a:t>给定一个二叉树，找到其中最大的二叉搜索树（BST）子树</a:t>
-            </a:r>
-          </a:p>
-          <a:p>
-            <a:pPr marL="0" indent="0" defTabSz="420623">
-              <a:lnSpc>
-                <a:spcPct val="100000"/>
-              </a:lnSpc>
-              <a:spcBef>
-                <a:spcPts val="0"/>
-              </a:spcBef>
-              <a:buSzTx/>
-              <a:buFontTx/>
-              <a:buNone/>
-              <a:defRPr sz="2392">
-                <a:solidFill>
-                  <a:srgbClr val="4E9072"/>
-                </a:solidFill>
-                <a:latin typeface="Monaco"/>
-                <a:ea typeface="Monaco"/>
-                <a:cs typeface="Monaco"/>
-                <a:sym typeface="Monaco"/>
-              </a:defRPr>
-            </a:pPr>
-            <a:r>
-              <a:t>并返回该子树的大小</a:t>
-            </a:r>
-            <a:endParaRPr>
-              <a:solidFill>
-                <a:srgbClr val="000000"/>
-              </a:solidFill>
-            </a:endParaRPr>
-          </a:p>
-          <a:p>
-            <a:pPr marL="0" indent="0" defTabSz="420623">
-              <a:lnSpc>
-                <a:spcPct val="100000"/>
-              </a:lnSpc>
-              <a:spcBef>
-                <a:spcPts val="0"/>
-              </a:spcBef>
-              <a:buSzTx/>
-              <a:buFontTx/>
-              <a:buNone/>
-              <a:defRPr sz="2392">
-                <a:solidFill>
-                  <a:srgbClr val="4E9072"/>
-                </a:solidFill>
-                <a:latin typeface="Monaco"/>
-                <a:ea typeface="Monaco"/>
-                <a:cs typeface="Monaco"/>
-                <a:sym typeface="Monaco"/>
-              </a:defRPr>
-            </a:pPr>
-            <a:r>
-              <a:t>其中，最大指的是子树节点数最多的</a:t>
-            </a:r>
-            <a:endParaRPr>
-              <a:solidFill>
-                <a:srgbClr val="000000"/>
-              </a:solidFill>
-            </a:endParaRPr>
-          </a:p>
-          <a:p>
-            <a:pPr marL="0" indent="0" defTabSz="420623">
-              <a:lnSpc>
-                <a:spcPct val="100000"/>
-              </a:lnSpc>
-              <a:spcBef>
-                <a:spcPts val="0"/>
-              </a:spcBef>
-              <a:buSzTx/>
-              <a:buFontTx/>
-              <a:buNone/>
-              <a:defRPr sz="2392">
-                <a:solidFill>
-                  <a:srgbClr val="4E9072"/>
-                </a:solidFill>
-                <a:latin typeface="Monaco"/>
-                <a:ea typeface="Monaco"/>
-                <a:cs typeface="Monaco"/>
-                <a:sym typeface="Monaco"/>
-              </a:defRPr>
-            </a:pPr>
-            <a:r>
-              <a:t>二叉搜索树（BST）中的所有节点都具备以下属性：</a:t>
-            </a:r>
-            <a:endParaRPr>
-              <a:solidFill>
-                <a:srgbClr val="000000"/>
-              </a:solidFill>
-            </a:endParaRPr>
-          </a:p>
-          <a:p>
-            <a:pPr marL="0" indent="0" defTabSz="420623">
-              <a:lnSpc>
-                <a:spcPct val="100000"/>
-              </a:lnSpc>
-              <a:spcBef>
-                <a:spcPts val="0"/>
-              </a:spcBef>
-              <a:buSzTx/>
-              <a:buFontTx/>
-              <a:buNone/>
-              <a:defRPr sz="2392">
-                <a:solidFill>
-                  <a:srgbClr val="4E9072"/>
-                </a:solidFill>
-                <a:latin typeface="Monaco"/>
-                <a:ea typeface="Monaco"/>
-                <a:cs typeface="Monaco"/>
-                <a:sym typeface="Monaco"/>
-              </a:defRPr>
-            </a:pPr>
-            <a:r>
-              <a:t>左子树的值小于其父（根）节点的值</a:t>
-            </a:r>
-            <a:endParaRPr>
-              <a:solidFill>
-                <a:srgbClr val="000000"/>
-              </a:solidFill>
-            </a:endParaRPr>
-          </a:p>
-          <a:p>
-            <a:pPr marL="0" indent="0" defTabSz="420623">
-              <a:lnSpc>
-                <a:spcPct val="100000"/>
-              </a:lnSpc>
-              <a:spcBef>
-                <a:spcPts val="0"/>
-              </a:spcBef>
-              <a:buSzTx/>
-              <a:buFontTx/>
-              <a:buNone/>
-              <a:defRPr sz="2392">
-                <a:solidFill>
-                  <a:srgbClr val="4E9072"/>
-                </a:solidFill>
-                <a:latin typeface="Monaco"/>
-                <a:ea typeface="Monaco"/>
-                <a:cs typeface="Monaco"/>
-                <a:sym typeface="Monaco"/>
-              </a:defRPr>
-            </a:pPr>
-            <a:r>
-              <a:t>右子树的值大于其父（根）节点的值</a:t>
-            </a:r>
-            <a:endParaRPr>
-              <a:solidFill>
-                <a:srgbClr val="000000"/>
-              </a:solidFill>
-            </a:endParaRPr>
-          </a:p>
-          <a:p>
-            <a:pPr marL="0" indent="0" defTabSz="420623">
-              <a:lnSpc>
-                <a:spcPct val="100000"/>
-              </a:lnSpc>
-              <a:spcBef>
-                <a:spcPts val="0"/>
-              </a:spcBef>
-              <a:buSzTx/>
-              <a:buFontTx/>
-              <a:buNone/>
-              <a:defRPr sz="2392">
-                <a:solidFill>
-                  <a:srgbClr val="4E9072"/>
-                </a:solidFill>
-                <a:latin typeface="Monaco"/>
-                <a:ea typeface="Monaco"/>
-                <a:cs typeface="Monaco"/>
-                <a:sym typeface="Monaco"/>
-              </a:defRPr>
-            </a:pPr>
-            <a:r>
-              <a:t>注意：子树必须包含其所有后代</a:t>
-            </a:r>
-            <a:endParaRPr>
-              <a:solidFill>
-                <a:srgbClr val="000000"/>
-              </a:solidFill>
-            </a:endParaRPr>
-          </a:p>
-          <a:p>
-            <a:pPr marL="0" indent="0" defTabSz="420623">
-              <a:lnSpc>
-                <a:spcPct val="100000"/>
-              </a:lnSpc>
-              <a:spcBef>
-                <a:spcPts val="0"/>
-              </a:spcBef>
-              <a:buSzTx/>
-              <a:buFontTx/>
-              <a:buNone/>
-              <a:defRPr sz="2392">
-                <a:solidFill>
-                  <a:srgbClr val="4E9072"/>
-                </a:solidFill>
-                <a:latin typeface="Monaco"/>
-                <a:ea typeface="Monaco"/>
-                <a:cs typeface="Monaco"/>
-                <a:sym typeface="Monaco"/>
-              </a:defRPr>
-            </a:pPr>
-            <a:r>
-              <a:t>测试链接 : https://leetcode.cn/problems/largest-bst-subtree</a:t>
-            </a:r>
-          </a:p>
-        </p:txBody>
-      </p:sp>
-      <p:pic>
-        <p:nvPicPr>
-          <p:cNvPr id="142" name="图片 4" descr="图片 4"/>
-          <p:cNvPicPr>
-            <a:picLocks noChangeAspect="1"/>
-          </p:cNvPicPr>
-          <p:nvPr/>
-        </p:nvPicPr>
-        <p:blipFill>
-          <a:blip r:embed="rId2">
-            <a:extLst/>
-          </a:blip>
-          <a:stretch>
-            <a:fillRect/>
-          </a:stretch>
-        </p:blipFill>
-        <p:spPr>
-          <a:xfrm>
-            <a:off x="43939" y="32544"/>
-            <a:ext cx="1635139" cy="1043783"/>
-          </a:xfrm>
-          <a:prstGeom prst="rect">
-            <a:avLst/>
-          </a:prstGeom>
-          <a:ln w="12700">
-            <a:miter lim="400000"/>
-          </a:ln>
-        </p:spPr>
-      </p:pic>
-    </p:spTree>
-  </p:cSld>
-  <p:clrMapOvr>
-    <a:masterClrMapping/>
-  </p:clrMapOvr>
-  <p:transition xmlns:p14="http://schemas.microsoft.com/office/powerpoint/2010/main" spd="med" advClick="1"/>
-</p:sld>
-</file>
-
 <file path=ppt/slides/slide2.xml><?xml version="1.0" encoding="utf-8"?>
 <p:sld xmlns:a="http://schemas.openxmlformats.org/drawingml/2006/main" xmlns:r="http://schemas.openxmlformats.org/officeDocument/2006/relationships" xmlns:p="http://schemas.openxmlformats.org/presentationml/2006/main" xmlns:m="http://schemas.openxmlformats.org/officeDocument/2006/math" xmlns:a14="http://schemas.microsoft.com/office/drawing/2010/main" showMasterSp="1" showMasterPhAnim="1">
   <p:cSld>
@@ -4963,629 +4576,6 @@
       <p:pic>
         <p:nvPicPr>
           <p:cNvPr id="127" name="图片 4" descr="图片 4"/>
-          <p:cNvPicPr>
-            <a:picLocks noChangeAspect="1"/>
-          </p:cNvPicPr>
-          <p:nvPr/>
-        </p:nvPicPr>
-        <p:blipFill>
-          <a:blip r:embed="rId2">
-            <a:extLst/>
-          </a:blip>
-          <a:stretch>
-            <a:fillRect/>
-          </a:stretch>
-        </p:blipFill>
-        <p:spPr>
-          <a:xfrm>
-            <a:off x="43939" y="32544"/>
-            <a:ext cx="1635139" cy="1043783"/>
-          </a:xfrm>
-          <a:prstGeom prst="rect">
-            <a:avLst/>
-          </a:prstGeom>
-          <a:ln w="12700">
-            <a:miter lim="400000"/>
-          </a:ln>
-        </p:spPr>
-      </p:pic>
-    </p:spTree>
-  </p:cSld>
-  <p:clrMapOvr>
-    <a:masterClrMapping/>
-  </p:clrMapOvr>
-  <p:transition xmlns:p14="http://schemas.microsoft.com/office/powerpoint/2010/main" spd="med" advClick="1"/>
-</p:sld>
-</file>
-
-<file path=ppt/slides/slide8.xml><?xml version="1.0" encoding="utf-8"?>
-<p:sld xmlns:a="http://schemas.openxmlformats.org/drawingml/2006/main" xmlns:r="http://schemas.openxmlformats.org/officeDocument/2006/relationships" xmlns:p="http://schemas.openxmlformats.org/presentationml/2006/main" xmlns:m="http://schemas.openxmlformats.org/officeDocument/2006/math" xmlns:a14="http://schemas.microsoft.com/office/drawing/2010/main" showMasterSp="1" showMasterPhAnim="1">
-  <p:cSld>
-    <p:spTree>
-      <p:nvGrpSpPr>
-        <p:cNvPr id="1" name=""/>
-        <p:cNvGrpSpPr/>
-        <p:nvPr/>
-      </p:nvGrpSpPr>
-      <p:grpSpPr>
-        <a:xfrm>
-          <a:off x="0" y="0"/>
-          <a:ext cx="0" cy="0"/>
-          <a:chOff x="0" y="0"/>
-          <a:chExt cx="0" cy="0"/>
-        </a:xfrm>
-      </p:grpSpPr>
-      <p:sp>
-        <p:nvSpPr>
-          <p:cNvPr id="129" name="页脚占位符 3"/>
-          <p:cNvSpPr txBox="1"/>
-          <p:nvPr/>
-        </p:nvSpPr>
-        <p:spPr>
-          <a:xfrm>
-            <a:off x="4084320" y="6385242"/>
-            <a:ext cx="4023360" cy="307341"/>
-          </a:xfrm>
-          <a:prstGeom prst="rect">
-            <a:avLst/>
-          </a:prstGeom>
-          <a:ln w="12700">
-            <a:miter lim="400000"/>
-          </a:ln>
-          <a:extLst>
-            <a:ext uri="{C572A759-6A51-4108-AA02-DFA0A04FC94B}">
-              <ma14:wrappingTextBoxFlag xmlns:ma14="http://schemas.microsoft.com/office/mac/drawingml/2011/main" val="1"/>
-            </a:ext>
-          </a:extLst>
-        </p:spPr>
-        <p:txBody>
-          <a:bodyPr lIns="45719" rIns="45719" anchor="ctr">
-            <a:spAutoFit/>
-          </a:bodyPr>
-          <a:lstStyle/>
-          <a:p>
-            <a:pPr algn="ctr">
-              <a:defRPr sz="1200">
-                <a:solidFill>
-                  <a:srgbClr val="888888"/>
-                </a:solidFill>
-              </a:defRPr>
-            </a:pPr>
-            <a:r>
-              <a:t>马士兵教育 </a:t>
-            </a:r>
-            <a:r>
-              <a:t>http://mashibing.com</a:t>
-            </a:r>
-          </a:p>
-        </p:txBody>
-      </p:sp>
-      <p:sp>
-        <p:nvSpPr>
-          <p:cNvPr id="130" name="标题 1"/>
-          <p:cNvSpPr txBox="1"/>
-          <p:nvPr>
-            <p:ph type="title"/>
-          </p:nvPr>
-        </p:nvSpPr>
-        <p:spPr>
-          <a:xfrm>
-            <a:off x="838200" y="900238"/>
-            <a:ext cx="10515600" cy="710952"/>
-          </a:xfrm>
-          <a:prstGeom prst="rect">
-            <a:avLst/>
-          </a:prstGeom>
-        </p:spPr>
-        <p:txBody>
-          <a:bodyPr/>
-          <a:lstStyle>
-            <a:lvl1pPr>
-              <a:defRPr sz="3200"/>
-            </a:lvl1pPr>
-          </a:lstStyle>
-          <a:p>
-            <a:pPr/>
-            <a:r>
-              <a:t>题目07</a:t>
-            </a:r>
-          </a:p>
-        </p:txBody>
-      </p:sp>
-      <p:sp>
-        <p:nvSpPr>
-          <p:cNvPr id="131" name="内容占位符 2"/>
-          <p:cNvSpPr txBox="1"/>
-          <p:nvPr>
-            <p:ph type="body" idx="1"/>
-          </p:nvPr>
-        </p:nvSpPr>
-        <p:spPr>
-          <a:xfrm>
-            <a:off x="838200" y="2038410"/>
-            <a:ext cx="10515600" cy="3919611"/>
-          </a:xfrm>
-          <a:prstGeom prst="rect">
-            <a:avLst/>
-          </a:prstGeom>
-        </p:spPr>
-        <p:txBody>
-          <a:bodyPr/>
-          <a:lstStyle/>
-          <a:p>
-            <a:pPr marL="0" indent="0" defTabSz="457200">
-              <a:lnSpc>
-                <a:spcPct val="100000"/>
-              </a:lnSpc>
-              <a:spcBef>
-                <a:spcPts val="0"/>
-              </a:spcBef>
-              <a:buSzTx/>
-              <a:buFontTx/>
-              <a:buNone/>
-              <a:defRPr sz="2600">
-                <a:solidFill>
-                  <a:srgbClr val="4E9072"/>
-                </a:solidFill>
-                <a:latin typeface="Monaco"/>
-                <a:ea typeface="Monaco"/>
-                <a:cs typeface="Monaco"/>
-                <a:sym typeface="Monaco"/>
-              </a:defRPr>
-            </a:pPr>
-            <a:r>
-              <a:t>给你一棵 完全二叉树 的根节点 root ，求出该树的节点个数</a:t>
-            </a:r>
-            <a:endParaRPr>
-              <a:solidFill>
-                <a:srgbClr val="000000"/>
-              </a:solidFill>
-            </a:endParaRPr>
-          </a:p>
-          <a:p>
-            <a:pPr marL="0" indent="0" defTabSz="457200">
-              <a:lnSpc>
-                <a:spcPct val="100000"/>
-              </a:lnSpc>
-              <a:spcBef>
-                <a:spcPts val="0"/>
-              </a:spcBef>
-              <a:buSzTx/>
-              <a:buFontTx/>
-              <a:buNone/>
-              <a:defRPr sz="2600">
-                <a:solidFill>
-                  <a:srgbClr val="4E9072"/>
-                </a:solidFill>
-                <a:latin typeface="Monaco"/>
-                <a:ea typeface="Monaco"/>
-                <a:cs typeface="Monaco"/>
-                <a:sym typeface="Monaco"/>
-              </a:defRPr>
-            </a:pPr>
-            <a:r>
-              <a:t>完全二叉树 的定义如下：</a:t>
-            </a:r>
-          </a:p>
-          <a:p>
-            <a:pPr marL="0" indent="0" defTabSz="457200">
-              <a:lnSpc>
-                <a:spcPct val="100000"/>
-              </a:lnSpc>
-              <a:spcBef>
-                <a:spcPts val="0"/>
-              </a:spcBef>
-              <a:buSzTx/>
-              <a:buFontTx/>
-              <a:buNone/>
-              <a:defRPr sz="2600">
-                <a:solidFill>
-                  <a:srgbClr val="4E9072"/>
-                </a:solidFill>
-                <a:latin typeface="Monaco"/>
-                <a:ea typeface="Monaco"/>
-                <a:cs typeface="Monaco"/>
-                <a:sym typeface="Monaco"/>
-              </a:defRPr>
-            </a:pPr>
-            <a:r>
-              <a:t>在完全二叉树中，除了最底层节点可能没填满外</a:t>
-            </a:r>
-            <a:endParaRPr>
-              <a:solidFill>
-                <a:srgbClr val="000000"/>
-              </a:solidFill>
-            </a:endParaRPr>
-          </a:p>
-          <a:p>
-            <a:pPr marL="0" indent="0" defTabSz="457200">
-              <a:lnSpc>
-                <a:spcPct val="100000"/>
-              </a:lnSpc>
-              <a:spcBef>
-                <a:spcPts val="0"/>
-              </a:spcBef>
-              <a:buSzTx/>
-              <a:buFontTx/>
-              <a:buNone/>
-              <a:defRPr sz="2600">
-                <a:solidFill>
-                  <a:srgbClr val="4E9072"/>
-                </a:solidFill>
-                <a:latin typeface="Monaco"/>
-                <a:ea typeface="Monaco"/>
-                <a:cs typeface="Monaco"/>
-                <a:sym typeface="Monaco"/>
-              </a:defRPr>
-            </a:pPr>
-            <a:r>
-              <a:t>其余每层节点数都达到最大值</a:t>
-            </a:r>
-            <a:endParaRPr>
-              <a:solidFill>
-                <a:srgbClr val="000000"/>
-              </a:solidFill>
-            </a:endParaRPr>
-          </a:p>
-          <a:p>
-            <a:pPr marL="0" indent="0" defTabSz="457200">
-              <a:lnSpc>
-                <a:spcPct val="100000"/>
-              </a:lnSpc>
-              <a:spcBef>
-                <a:spcPts val="0"/>
-              </a:spcBef>
-              <a:buSzTx/>
-              <a:buFontTx/>
-              <a:buNone/>
-              <a:defRPr sz="2600">
-                <a:solidFill>
-                  <a:srgbClr val="4E9072"/>
-                </a:solidFill>
-                <a:latin typeface="Monaco"/>
-                <a:ea typeface="Monaco"/>
-                <a:cs typeface="Monaco"/>
-                <a:sym typeface="Monaco"/>
-              </a:defRPr>
-            </a:pPr>
-            <a:r>
-              <a:t>并且最下面一层的节点都集中在该层最左边的若干位置</a:t>
-            </a:r>
-            <a:endParaRPr>
-              <a:solidFill>
-                <a:srgbClr val="000000"/>
-              </a:solidFill>
-            </a:endParaRPr>
-          </a:p>
-          <a:p>
-            <a:pPr marL="0" indent="0" defTabSz="457200">
-              <a:lnSpc>
-                <a:spcPct val="100000"/>
-              </a:lnSpc>
-              <a:spcBef>
-                <a:spcPts val="0"/>
-              </a:spcBef>
-              <a:buSzTx/>
-              <a:buFontTx/>
-              <a:buNone/>
-              <a:defRPr sz="2600">
-                <a:solidFill>
-                  <a:srgbClr val="4E9072"/>
-                </a:solidFill>
-                <a:latin typeface="Monaco"/>
-                <a:ea typeface="Monaco"/>
-                <a:cs typeface="Monaco"/>
-                <a:sym typeface="Monaco"/>
-              </a:defRPr>
-            </a:pPr>
-            <a:r>
-              <a:t>若最底层为第 h 层，则该层包含 1~ 2h 个节点。</a:t>
-            </a:r>
-            <a:endParaRPr>
-              <a:solidFill>
-                <a:srgbClr val="000000"/>
-              </a:solidFill>
-            </a:endParaRPr>
-          </a:p>
-          <a:p>
-            <a:pPr marL="0" indent="0" defTabSz="457200">
-              <a:lnSpc>
-                <a:spcPct val="100000"/>
-              </a:lnSpc>
-              <a:spcBef>
-                <a:spcPts val="0"/>
-              </a:spcBef>
-              <a:buSzTx/>
-              <a:buFontTx/>
-              <a:buNone/>
-              <a:defRPr sz="2600">
-                <a:solidFill>
-                  <a:srgbClr val="4E9072"/>
-                </a:solidFill>
-                <a:latin typeface="Monaco"/>
-                <a:ea typeface="Monaco"/>
-                <a:cs typeface="Monaco"/>
-                <a:sym typeface="Monaco"/>
-              </a:defRPr>
-            </a:pPr>
-            <a:r>
-              <a:t>测试链接 : https://leetcode.cn/problems/count-complete-tree-nodes/</a:t>
-            </a:r>
-          </a:p>
-        </p:txBody>
-      </p:sp>
-      <p:pic>
-        <p:nvPicPr>
-          <p:cNvPr id="132" name="图片 4" descr="图片 4"/>
-          <p:cNvPicPr>
-            <a:picLocks noChangeAspect="1"/>
-          </p:cNvPicPr>
-          <p:nvPr/>
-        </p:nvPicPr>
-        <p:blipFill>
-          <a:blip r:embed="rId2">
-            <a:extLst/>
-          </a:blip>
-          <a:stretch>
-            <a:fillRect/>
-          </a:stretch>
-        </p:blipFill>
-        <p:spPr>
-          <a:xfrm>
-            <a:off x="43939" y="32544"/>
-            <a:ext cx="1635139" cy="1043783"/>
-          </a:xfrm>
-          <a:prstGeom prst="rect">
-            <a:avLst/>
-          </a:prstGeom>
-          <a:ln w="12700">
-            <a:miter lim="400000"/>
-          </a:ln>
-        </p:spPr>
-      </p:pic>
-    </p:spTree>
-  </p:cSld>
-  <p:clrMapOvr>
-    <a:masterClrMapping/>
-  </p:clrMapOvr>
-  <p:transition xmlns:p14="http://schemas.microsoft.com/office/powerpoint/2010/main" spd="med" advClick="1"/>
-</p:sld>
-</file>
-
-<file path=ppt/slides/slide9.xml><?xml version="1.0" encoding="utf-8"?>
-<p:sld xmlns:a="http://schemas.openxmlformats.org/drawingml/2006/main" xmlns:r="http://schemas.openxmlformats.org/officeDocument/2006/relationships" xmlns:p="http://schemas.openxmlformats.org/presentationml/2006/main" xmlns:m="http://schemas.openxmlformats.org/officeDocument/2006/math" xmlns:a14="http://schemas.microsoft.com/office/drawing/2010/main" showMasterSp="1" showMasterPhAnim="1">
-  <p:cSld>
-    <p:spTree>
-      <p:nvGrpSpPr>
-        <p:cNvPr id="1" name=""/>
-        <p:cNvGrpSpPr/>
-        <p:nvPr/>
-      </p:nvGrpSpPr>
-      <p:grpSpPr>
-        <a:xfrm>
-          <a:off x="0" y="0"/>
-          <a:ext cx="0" cy="0"/>
-          <a:chOff x="0" y="0"/>
-          <a:chExt cx="0" cy="0"/>
-        </a:xfrm>
-      </p:grpSpPr>
-      <p:sp>
-        <p:nvSpPr>
-          <p:cNvPr id="134" name="页脚占位符 3"/>
-          <p:cNvSpPr txBox="1"/>
-          <p:nvPr/>
-        </p:nvSpPr>
-        <p:spPr>
-          <a:xfrm>
-            <a:off x="4084320" y="6385242"/>
-            <a:ext cx="4023360" cy="307341"/>
-          </a:xfrm>
-          <a:prstGeom prst="rect">
-            <a:avLst/>
-          </a:prstGeom>
-          <a:ln w="12700">
-            <a:miter lim="400000"/>
-          </a:ln>
-          <a:extLst>
-            <a:ext uri="{C572A759-6A51-4108-AA02-DFA0A04FC94B}">
-              <ma14:wrappingTextBoxFlag xmlns:ma14="http://schemas.microsoft.com/office/mac/drawingml/2011/main" val="1"/>
-            </a:ext>
-          </a:extLst>
-        </p:spPr>
-        <p:txBody>
-          <a:bodyPr lIns="45719" rIns="45719" anchor="ctr">
-            <a:spAutoFit/>
-          </a:bodyPr>
-          <a:lstStyle/>
-          <a:p>
-            <a:pPr algn="ctr">
-              <a:defRPr sz="1200">
-                <a:solidFill>
-                  <a:srgbClr val="888888"/>
-                </a:solidFill>
-              </a:defRPr>
-            </a:pPr>
-            <a:r>
-              <a:t>马士兵教育 </a:t>
-            </a:r>
-            <a:r>
-              <a:t>http://mashibing.com</a:t>
-            </a:r>
-          </a:p>
-        </p:txBody>
-      </p:sp>
-      <p:sp>
-        <p:nvSpPr>
-          <p:cNvPr id="135" name="标题 1"/>
-          <p:cNvSpPr txBox="1"/>
-          <p:nvPr>
-            <p:ph type="title"/>
-          </p:nvPr>
-        </p:nvSpPr>
-        <p:spPr>
-          <a:xfrm>
-            <a:off x="838200" y="900238"/>
-            <a:ext cx="10515600" cy="710952"/>
-          </a:xfrm>
-          <a:prstGeom prst="rect">
-            <a:avLst/>
-          </a:prstGeom>
-        </p:spPr>
-        <p:txBody>
-          <a:bodyPr/>
-          <a:lstStyle>
-            <a:lvl1pPr>
-              <a:defRPr sz="3200"/>
-            </a:lvl1pPr>
-          </a:lstStyle>
-          <a:p>
-            <a:pPr/>
-            <a:r>
-              <a:t>题目08</a:t>
-            </a:r>
-          </a:p>
-        </p:txBody>
-      </p:sp>
-      <p:sp>
-        <p:nvSpPr>
-          <p:cNvPr id="136" name="内容占位符 2"/>
-          <p:cNvSpPr txBox="1"/>
-          <p:nvPr>
-            <p:ph type="body" idx="1"/>
-          </p:nvPr>
-        </p:nvSpPr>
-        <p:spPr>
-          <a:xfrm>
-            <a:off x="838200" y="2038410"/>
-            <a:ext cx="10515600" cy="3919611"/>
-          </a:xfrm>
-          <a:prstGeom prst="rect">
-            <a:avLst/>
-          </a:prstGeom>
-        </p:spPr>
-        <p:txBody>
-          <a:bodyPr/>
-          <a:lstStyle/>
-          <a:p>
-            <a:pPr marL="0" indent="0" defTabSz="457200">
-              <a:lnSpc>
-                <a:spcPct val="100000"/>
-              </a:lnSpc>
-              <a:spcBef>
-                <a:spcPts val="0"/>
-              </a:spcBef>
-              <a:buSzTx/>
-              <a:buFontTx/>
-              <a:buNone/>
-              <a:defRPr sz="2600">
-                <a:solidFill>
-                  <a:srgbClr val="4E9072"/>
-                </a:solidFill>
-                <a:latin typeface="Monaco"/>
-                <a:ea typeface="Monaco"/>
-                <a:cs typeface="Monaco"/>
-                <a:sym typeface="Monaco"/>
-              </a:defRPr>
-            </a:pPr>
-            <a:r>
-              <a:t>给定一棵二叉树，你需要计算它的直径长度</a:t>
-            </a:r>
-            <a:endParaRPr>
-              <a:solidFill>
-                <a:srgbClr val="000000"/>
-              </a:solidFill>
-            </a:endParaRPr>
-          </a:p>
-          <a:p>
-            <a:pPr marL="0" indent="0" defTabSz="457200">
-              <a:lnSpc>
-                <a:spcPct val="100000"/>
-              </a:lnSpc>
-              <a:spcBef>
-                <a:spcPts val="0"/>
-              </a:spcBef>
-              <a:buSzTx/>
-              <a:buFontTx/>
-              <a:buNone/>
-              <a:defRPr sz="2600">
-                <a:solidFill>
-                  <a:srgbClr val="4E9072"/>
-                </a:solidFill>
-                <a:latin typeface="Monaco"/>
-                <a:ea typeface="Monaco"/>
-                <a:cs typeface="Monaco"/>
-                <a:sym typeface="Monaco"/>
-              </a:defRPr>
-            </a:pPr>
-            <a:r>
-              <a:t>一棵二叉树的直径长度是任意两个结点路径长度中的最大值</a:t>
-            </a:r>
-            <a:endParaRPr>
-              <a:solidFill>
-                <a:srgbClr val="000000"/>
-              </a:solidFill>
-            </a:endParaRPr>
-          </a:p>
-          <a:p>
-            <a:pPr marL="0" indent="0" defTabSz="457200">
-              <a:lnSpc>
-                <a:spcPct val="100000"/>
-              </a:lnSpc>
-              <a:spcBef>
-                <a:spcPts val="0"/>
-              </a:spcBef>
-              <a:buSzTx/>
-              <a:buFontTx/>
-              <a:buNone/>
-              <a:defRPr sz="2600">
-                <a:solidFill>
-                  <a:srgbClr val="4E9072"/>
-                </a:solidFill>
-                <a:latin typeface="Monaco"/>
-                <a:ea typeface="Monaco"/>
-                <a:cs typeface="Monaco"/>
-                <a:sym typeface="Monaco"/>
-              </a:defRPr>
-            </a:pPr>
-            <a:r>
-              <a:t>这条路径可能穿过也可能不穿过根结点</a:t>
-            </a:r>
-            <a:endParaRPr>
-              <a:solidFill>
-                <a:srgbClr val="000000"/>
-              </a:solidFill>
-            </a:endParaRPr>
-          </a:p>
-          <a:p>
-            <a:pPr marL="0" indent="0" defTabSz="457200">
-              <a:lnSpc>
-                <a:spcPct val="100000"/>
-              </a:lnSpc>
-              <a:spcBef>
-                <a:spcPts val="0"/>
-              </a:spcBef>
-              <a:buSzTx/>
-              <a:buFontTx/>
-              <a:buNone/>
-              <a:defRPr sz="2600">
-                <a:solidFill>
-                  <a:srgbClr val="4E9072"/>
-                </a:solidFill>
-                <a:latin typeface="Monaco"/>
-                <a:ea typeface="Monaco"/>
-                <a:cs typeface="Monaco"/>
-                <a:sym typeface="Monaco"/>
-              </a:defRPr>
-            </a:pPr>
-            <a:r>
-              <a:t>测试链接 : https://leetcode.cn/problems/diameter-of-binary-tree/</a:t>
-            </a:r>
-          </a:p>
-        </p:txBody>
-      </p:sp>
-      <p:pic>
-        <p:nvPicPr>
-          <p:cNvPr id="137" name="图片 4" descr="图片 4"/>
           <p:cNvPicPr>
             <a:picLocks noChangeAspect="1"/>
           </p:cNvPicPr>
